--- a/Assets/images/UI_examples/UI Mockup.pptx
+++ b/Assets/images/UI_examples/UI Mockup.pptx
@@ -6,7 +6,8 @@
   </p:sldMasterIdLst>
   <p:sldIdLst>
     <p:sldId id="257" r:id="rId2"/>
-    <p:sldId id="258" r:id="rId3"/>
+    <p:sldId id="259" r:id="rId3"/>
+    <p:sldId id="260" r:id="rId4"/>
   </p:sldIdLst>
   <p:sldSz cx="12192000" cy="6858000"/>
   <p:notesSz cx="6858000" cy="9144000"/>
@@ -244,7 +245,7 @@
           <a:p>
             <a:fld id="{9F6C808E-856F-41F4-9DD3-E59887B6174D}" type="datetimeFigureOut">
               <a:rPr lang="en-CA" smtClean="0"/>
-              <a:t>2020-04-24</a:t>
+              <a:t>2020-05-01</a:t>
             </a:fld>
             <a:endParaRPr lang="en-CA"/>
           </a:p>
@@ -414,7 +415,7 @@
           <a:p>
             <a:fld id="{9F6C808E-856F-41F4-9DD3-E59887B6174D}" type="datetimeFigureOut">
               <a:rPr lang="en-CA" smtClean="0"/>
-              <a:t>2020-04-24</a:t>
+              <a:t>2020-05-01</a:t>
             </a:fld>
             <a:endParaRPr lang="en-CA"/>
           </a:p>
@@ -594,7 +595,7 @@
           <a:p>
             <a:fld id="{9F6C808E-856F-41F4-9DD3-E59887B6174D}" type="datetimeFigureOut">
               <a:rPr lang="en-CA" smtClean="0"/>
-              <a:t>2020-04-24</a:t>
+              <a:t>2020-05-01</a:t>
             </a:fld>
             <a:endParaRPr lang="en-CA"/>
           </a:p>
@@ -764,7 +765,7 @@
           <a:p>
             <a:fld id="{9F6C808E-856F-41F4-9DD3-E59887B6174D}" type="datetimeFigureOut">
               <a:rPr lang="en-CA" smtClean="0"/>
-              <a:t>2020-04-24</a:t>
+              <a:t>2020-05-01</a:t>
             </a:fld>
             <a:endParaRPr lang="en-CA"/>
           </a:p>
@@ -1010,7 +1011,7 @@
           <a:p>
             <a:fld id="{9F6C808E-856F-41F4-9DD3-E59887B6174D}" type="datetimeFigureOut">
               <a:rPr lang="en-CA" smtClean="0"/>
-              <a:t>2020-04-24</a:t>
+              <a:t>2020-05-01</a:t>
             </a:fld>
             <a:endParaRPr lang="en-CA"/>
           </a:p>
@@ -1242,7 +1243,7 @@
           <a:p>
             <a:fld id="{9F6C808E-856F-41F4-9DD3-E59887B6174D}" type="datetimeFigureOut">
               <a:rPr lang="en-CA" smtClean="0"/>
-              <a:t>2020-04-24</a:t>
+              <a:t>2020-05-01</a:t>
             </a:fld>
             <a:endParaRPr lang="en-CA"/>
           </a:p>
@@ -1609,7 +1610,7 @@
           <a:p>
             <a:fld id="{9F6C808E-856F-41F4-9DD3-E59887B6174D}" type="datetimeFigureOut">
               <a:rPr lang="en-CA" smtClean="0"/>
-              <a:t>2020-04-24</a:t>
+              <a:t>2020-05-01</a:t>
             </a:fld>
             <a:endParaRPr lang="en-CA"/>
           </a:p>
@@ -1727,7 +1728,7 @@
           <a:p>
             <a:fld id="{9F6C808E-856F-41F4-9DD3-E59887B6174D}" type="datetimeFigureOut">
               <a:rPr lang="en-CA" smtClean="0"/>
-              <a:t>2020-04-24</a:t>
+              <a:t>2020-05-01</a:t>
             </a:fld>
             <a:endParaRPr lang="en-CA"/>
           </a:p>
@@ -1822,7 +1823,7 @@
           <a:p>
             <a:fld id="{9F6C808E-856F-41F4-9DD3-E59887B6174D}" type="datetimeFigureOut">
               <a:rPr lang="en-CA" smtClean="0"/>
-              <a:t>2020-04-24</a:t>
+              <a:t>2020-05-01</a:t>
             </a:fld>
             <a:endParaRPr lang="en-CA"/>
           </a:p>
@@ -2099,7 +2100,7 @@
           <a:p>
             <a:fld id="{9F6C808E-856F-41F4-9DD3-E59887B6174D}" type="datetimeFigureOut">
               <a:rPr lang="en-CA" smtClean="0"/>
-              <a:t>2020-04-24</a:t>
+              <a:t>2020-05-01</a:t>
             </a:fld>
             <a:endParaRPr lang="en-CA"/>
           </a:p>
@@ -2352,7 +2353,7 @@
           <a:p>
             <a:fld id="{9F6C808E-856F-41F4-9DD3-E59887B6174D}" type="datetimeFigureOut">
               <a:rPr lang="en-CA" smtClean="0"/>
-              <a:t>2020-04-24</a:t>
+              <a:t>2020-05-01</a:t>
             </a:fld>
             <a:endParaRPr lang="en-CA"/>
           </a:p>
@@ -2565,7 +2566,7 @@
           <a:p>
             <a:fld id="{9F6C808E-856F-41F4-9DD3-E59887B6174D}" type="datetimeFigureOut">
               <a:rPr lang="en-CA" smtClean="0"/>
-              <a:t>2020-04-24</a:t>
+              <a:t>2020-05-01</a:t>
             </a:fld>
             <a:endParaRPr lang="en-CA"/>
           </a:p>
@@ -4284,313 +4285,152 @@
           <a:chExt cx="0" cy="0"/>
         </a:xfrm>
       </p:grpSpPr>
-      <p:grpSp>
-        <p:nvGrpSpPr>
-          <p:cNvPr id="4" name="Group 3"/>
-          <p:cNvGrpSpPr/>
+      <p:pic>
+        <p:nvPicPr>
+          <p:cNvPr id="13" name="Picture 12"/>
+          <p:cNvPicPr>
+            <a:picLocks noChangeAspect="1"/>
+          </p:cNvPicPr>
           <p:nvPr/>
-        </p:nvGrpSpPr>
-        <p:grpSpPr>
-          <a:xfrm>
-            <a:off x="4229778" y="3309576"/>
-            <a:ext cx="4055107" cy="222357"/>
-            <a:chOff x="5524854" y="1664999"/>
-            <a:chExt cx="4845468" cy="283442"/>
+        </p:nvPicPr>
+        <p:blipFill rotWithShape="1">
+          <a:blip r:embed="rId2" cstate="print">
+            <a:extLst>
+              <a:ext uri="{28A0092B-C50C-407E-A947-70E740481C1C}">
+                <a14:useLocalDpi xmlns:a14="http://schemas.microsoft.com/office/drawing/2010/main" val="0"/>
+              </a:ext>
+            </a:extLst>
+          </a:blip>
+          <a:srcRect l="15233" r="18803" b="26172"/>
+          <a:stretch/>
+        </p:blipFill>
+        <p:spPr>
+          <a:xfrm rot="5400000">
+            <a:off x="1711568" y="3727676"/>
+            <a:ext cx="2100170" cy="3422396"/>
           </a:xfrm>
-        </p:grpSpPr>
-        <p:sp>
-          <p:nvSpPr>
-            <p:cNvPr id="5" name="Rectangle 4"/>
-            <p:cNvSpPr/>
-            <p:nvPr/>
-          </p:nvSpPr>
-          <p:spPr>
-            <a:xfrm>
-              <a:off x="5524854" y="1665004"/>
-              <a:ext cx="807578" cy="283437"/>
-            </a:xfrm>
-            <a:prstGeom prst="rect">
-              <a:avLst/>
-            </a:prstGeom>
-            <a:solidFill>
-              <a:srgbClr val="00B050"/>
-            </a:solidFill>
-            <a:ln w="28575">
-              <a:solidFill>
-                <a:schemeClr val="tx1"/>
-              </a:solidFill>
-            </a:ln>
-          </p:spPr>
-          <p:style>
-            <a:lnRef idx="2">
-              <a:schemeClr val="accent1">
-                <a:shade val="50000"/>
-              </a:schemeClr>
-            </a:lnRef>
-            <a:fillRef idx="1">
-              <a:schemeClr val="accent1"/>
-            </a:fillRef>
-            <a:effectRef idx="0">
-              <a:schemeClr val="accent1"/>
-            </a:effectRef>
-            <a:fontRef idx="minor">
-              <a:schemeClr val="lt1"/>
-            </a:fontRef>
-          </p:style>
-          <p:txBody>
-            <a:bodyPr rtlCol="0" anchor="ctr"/>
-            <a:lstStyle/>
-            <a:p>
-              <a:pPr algn="ctr"/>
-              <a:endParaRPr lang="en-CA"/>
-            </a:p>
-          </p:txBody>
-        </p:sp>
-        <p:sp>
-          <p:nvSpPr>
-            <p:cNvPr id="6" name="Rectangle 5"/>
-            <p:cNvSpPr/>
-            <p:nvPr/>
-          </p:nvSpPr>
-          <p:spPr>
-            <a:xfrm>
-              <a:off x="6332432" y="1665003"/>
-              <a:ext cx="807578" cy="283437"/>
-            </a:xfrm>
-            <a:prstGeom prst="rect">
-              <a:avLst/>
-            </a:prstGeom>
-            <a:solidFill>
-              <a:schemeClr val="bg1"/>
-            </a:solidFill>
-            <a:ln w="28575">
-              <a:solidFill>
-                <a:schemeClr val="tx1"/>
-              </a:solidFill>
-            </a:ln>
-          </p:spPr>
-          <p:style>
-            <a:lnRef idx="2">
-              <a:schemeClr val="accent1">
-                <a:shade val="50000"/>
-              </a:schemeClr>
-            </a:lnRef>
-            <a:fillRef idx="1">
-              <a:schemeClr val="accent1"/>
-            </a:fillRef>
-            <a:effectRef idx="0">
-              <a:schemeClr val="accent1"/>
-            </a:effectRef>
-            <a:fontRef idx="minor">
-              <a:schemeClr val="lt1"/>
-            </a:fontRef>
-          </p:style>
-          <p:txBody>
-            <a:bodyPr rtlCol="0" anchor="ctr"/>
-            <a:lstStyle/>
-            <a:p>
-              <a:pPr algn="ctr"/>
-              <a:endParaRPr lang="en-CA"/>
-            </a:p>
-          </p:txBody>
-        </p:sp>
-        <p:sp>
-          <p:nvSpPr>
-            <p:cNvPr id="7" name="Rectangle 6"/>
-            <p:cNvSpPr/>
-            <p:nvPr/>
-          </p:nvSpPr>
-          <p:spPr>
-            <a:xfrm>
-              <a:off x="7140010" y="1665002"/>
-              <a:ext cx="807578" cy="283437"/>
-            </a:xfrm>
-            <a:prstGeom prst="rect">
-              <a:avLst/>
-            </a:prstGeom>
-            <a:solidFill>
-              <a:srgbClr val="00B050"/>
-            </a:solidFill>
-            <a:ln w="28575">
-              <a:solidFill>
-                <a:schemeClr val="tx1"/>
-              </a:solidFill>
-            </a:ln>
-          </p:spPr>
-          <p:style>
-            <a:lnRef idx="2">
-              <a:schemeClr val="accent1">
-                <a:shade val="50000"/>
-              </a:schemeClr>
-            </a:lnRef>
-            <a:fillRef idx="1">
-              <a:schemeClr val="accent1"/>
-            </a:fillRef>
-            <a:effectRef idx="0">
-              <a:schemeClr val="accent1"/>
-            </a:effectRef>
-            <a:fontRef idx="minor">
-              <a:schemeClr val="lt1"/>
-            </a:fontRef>
-          </p:style>
-          <p:txBody>
-            <a:bodyPr rtlCol="0" anchor="ctr"/>
-            <a:lstStyle/>
-            <a:p>
-              <a:pPr algn="ctr"/>
-              <a:endParaRPr lang="en-CA"/>
-            </a:p>
-          </p:txBody>
-        </p:sp>
-        <p:sp>
-          <p:nvSpPr>
-            <p:cNvPr id="8" name="Rectangle 7"/>
-            <p:cNvSpPr/>
-            <p:nvPr/>
-          </p:nvSpPr>
-          <p:spPr>
-            <a:xfrm>
-              <a:off x="7947588" y="1665001"/>
-              <a:ext cx="807578" cy="283437"/>
-            </a:xfrm>
-            <a:prstGeom prst="rect">
-              <a:avLst/>
-            </a:prstGeom>
-            <a:solidFill>
-              <a:schemeClr val="bg1"/>
-            </a:solidFill>
-            <a:ln w="28575">
-              <a:solidFill>
-                <a:schemeClr val="tx1"/>
-              </a:solidFill>
-            </a:ln>
-          </p:spPr>
-          <p:style>
-            <a:lnRef idx="2">
-              <a:schemeClr val="accent1">
-                <a:shade val="50000"/>
-              </a:schemeClr>
-            </a:lnRef>
-            <a:fillRef idx="1">
-              <a:schemeClr val="accent1"/>
-            </a:fillRef>
-            <a:effectRef idx="0">
-              <a:schemeClr val="accent1"/>
-            </a:effectRef>
-            <a:fontRef idx="minor">
-              <a:schemeClr val="lt1"/>
-            </a:fontRef>
-          </p:style>
-          <p:txBody>
-            <a:bodyPr rtlCol="0" anchor="ctr"/>
-            <a:lstStyle/>
-            <a:p>
-              <a:pPr algn="ctr"/>
-              <a:endParaRPr lang="en-CA"/>
-            </a:p>
-          </p:txBody>
-        </p:sp>
-        <p:sp>
-          <p:nvSpPr>
-            <p:cNvPr id="9" name="Rectangle 8"/>
-            <p:cNvSpPr/>
-            <p:nvPr/>
-          </p:nvSpPr>
-          <p:spPr>
-            <a:xfrm>
-              <a:off x="8755166" y="1665000"/>
-              <a:ext cx="807578" cy="283437"/>
-            </a:xfrm>
-            <a:prstGeom prst="rect">
-              <a:avLst/>
-            </a:prstGeom>
-            <a:solidFill>
-              <a:schemeClr val="bg1"/>
-            </a:solidFill>
-            <a:ln w="28575">
-              <a:solidFill>
-                <a:schemeClr val="tx1"/>
-              </a:solidFill>
-            </a:ln>
-          </p:spPr>
-          <p:style>
-            <a:lnRef idx="2">
-              <a:schemeClr val="accent1">
-                <a:shade val="50000"/>
-              </a:schemeClr>
-            </a:lnRef>
-            <a:fillRef idx="1">
-              <a:schemeClr val="accent1"/>
-            </a:fillRef>
-            <a:effectRef idx="0">
-              <a:schemeClr val="accent1"/>
-            </a:effectRef>
-            <a:fontRef idx="minor">
-              <a:schemeClr val="lt1"/>
-            </a:fontRef>
-          </p:style>
-          <p:txBody>
-            <a:bodyPr rtlCol="0" anchor="ctr"/>
-            <a:lstStyle/>
-            <a:p>
-              <a:pPr algn="ctr"/>
-              <a:endParaRPr lang="en-CA"/>
-            </a:p>
-          </p:txBody>
-        </p:sp>
-        <p:sp>
-          <p:nvSpPr>
-            <p:cNvPr id="10" name="Rectangle 9"/>
-            <p:cNvSpPr/>
-            <p:nvPr/>
-          </p:nvSpPr>
-          <p:spPr>
-            <a:xfrm>
-              <a:off x="9562744" y="1664999"/>
-              <a:ext cx="807578" cy="283437"/>
-            </a:xfrm>
-            <a:prstGeom prst="rect">
-              <a:avLst/>
-            </a:prstGeom>
-            <a:solidFill>
-              <a:schemeClr val="bg1"/>
-            </a:solidFill>
-            <a:ln w="28575">
-              <a:solidFill>
-                <a:schemeClr val="tx1"/>
-              </a:solidFill>
-            </a:ln>
-          </p:spPr>
-          <p:style>
-            <a:lnRef idx="2">
-              <a:schemeClr val="accent1">
-                <a:shade val="50000"/>
-              </a:schemeClr>
-            </a:lnRef>
-            <a:fillRef idx="1">
-              <a:schemeClr val="accent1"/>
-            </a:fillRef>
-            <a:effectRef idx="0">
-              <a:schemeClr val="accent1"/>
-            </a:effectRef>
-            <a:fontRef idx="minor">
-              <a:schemeClr val="lt1"/>
-            </a:fontRef>
-          </p:style>
-          <p:txBody>
-            <a:bodyPr rtlCol="0" anchor="ctr"/>
-            <a:lstStyle/>
-            <a:p>
-              <a:pPr algn="ctr"/>
-              <a:endParaRPr lang="en-CA"/>
-            </a:p>
-          </p:txBody>
-        </p:sp>
-      </p:grpSp>
+          <a:prstGeom prst="rect">
+            <a:avLst/>
+          </a:prstGeom>
+        </p:spPr>
+      </p:pic>
+      <p:pic>
+        <p:nvPicPr>
+          <p:cNvPr id="14" name="Picture 13"/>
+          <p:cNvPicPr>
+            <a:picLocks noChangeAspect="1"/>
+          </p:cNvPicPr>
+          <p:nvPr/>
+        </p:nvPicPr>
+        <p:blipFill rotWithShape="1">
+          <a:blip r:embed="rId3" cstate="print">
+            <a:extLst>
+              <a:ext uri="{28A0092B-C50C-407E-A947-70E740481C1C}">
+                <a14:useLocalDpi xmlns:a14="http://schemas.microsoft.com/office/drawing/2010/main" val="0"/>
+              </a:ext>
+            </a:extLst>
+          </a:blip>
+          <a:srcRect b="26813"/>
+          <a:stretch/>
+        </p:blipFill>
+        <p:spPr>
+          <a:xfrm rot="10800000">
+            <a:off x="442255" y="315529"/>
+            <a:ext cx="4197963" cy="3735649"/>
+          </a:xfrm>
+          <a:prstGeom prst="rect">
+            <a:avLst/>
+          </a:prstGeom>
+        </p:spPr>
+      </p:pic>
+      <p:pic>
+        <p:nvPicPr>
+          <p:cNvPr id="4" name="Picture 3"/>
+          <p:cNvPicPr>
+            <a:picLocks noChangeAspect="1"/>
+          </p:cNvPicPr>
+          <p:nvPr/>
+        </p:nvPicPr>
+        <p:blipFill>
+          <a:blip r:embed="rId4" cstate="print">
+            <a:extLst>
+              <a:ext uri="{28A0092B-C50C-407E-A947-70E740481C1C}">
+                <a14:useLocalDpi xmlns:a14="http://schemas.microsoft.com/office/drawing/2010/main" val="0"/>
+              </a:ext>
+            </a:extLst>
+          </a:blip>
+          <a:stretch>
+            <a:fillRect/>
+          </a:stretch>
+        </p:blipFill>
+        <p:spPr>
+          <a:xfrm rot="5400000">
+            <a:off x="3826252" y="1909598"/>
+            <a:ext cx="5868559" cy="2938132"/>
+          </a:xfrm>
+          <a:prstGeom prst="rect">
+            <a:avLst/>
+          </a:prstGeom>
+        </p:spPr>
+      </p:pic>
     </p:spTree>
     <p:extLst>
       <p:ext uri="{BB962C8B-B14F-4D97-AF65-F5344CB8AC3E}">
-        <p14:creationId xmlns:p14="http://schemas.microsoft.com/office/powerpoint/2010/main" val="3364651937"/>
+        <p14:creationId xmlns:p14="http://schemas.microsoft.com/office/powerpoint/2010/main" val="2489208738"/>
+      </p:ext>
+    </p:extLst>
+  </p:cSld>
+  <p:clrMapOvr>
+    <a:masterClrMapping/>
+  </p:clrMapOvr>
+</p:sld>
+</file>
+
+<file path=ppt/slides/slide3.xml><?xml version="1.0" encoding="utf-8"?>
+<p:sld xmlns:a="http://schemas.openxmlformats.org/drawingml/2006/main" xmlns:r="http://schemas.openxmlformats.org/officeDocument/2006/relationships" xmlns:p="http://schemas.openxmlformats.org/presentationml/2006/main">
+  <p:cSld>
+    <p:spTree>
+      <p:nvGrpSpPr>
+        <p:cNvPr id="1" name=""/>
+        <p:cNvGrpSpPr/>
+        <p:nvPr/>
+      </p:nvGrpSpPr>
+      <p:grpSpPr>
+        <a:xfrm>
+          <a:off x="0" y="0"/>
+          <a:ext cx="0" cy="0"/>
+          <a:chOff x="0" y="0"/>
+          <a:chExt cx="0" cy="0"/>
+        </a:xfrm>
+      </p:grpSpPr>
+      <p:pic>
+        <p:nvPicPr>
+          <p:cNvPr id="4" name="Picture 3"/>
+          <p:cNvPicPr>
+            <a:picLocks noChangeAspect="1"/>
+          </p:cNvPicPr>
+          <p:nvPr/>
+        </p:nvPicPr>
+        <p:blipFill>
+          <a:blip r:embed="rId2"/>
+          <a:stretch>
+            <a:fillRect/>
+          </a:stretch>
+        </p:blipFill>
+        <p:spPr>
+          <a:xfrm>
+            <a:off x="831482" y="774322"/>
+            <a:ext cx="10713888" cy="5455561"/>
+          </a:xfrm>
+          <a:prstGeom prst="rect">
+            <a:avLst/>
+          </a:prstGeom>
+        </p:spPr>
+      </p:pic>
+    </p:spTree>
+    <p:extLst>
+      <p:ext uri="{BB962C8B-B14F-4D97-AF65-F5344CB8AC3E}">
+        <p14:creationId xmlns:p14="http://schemas.microsoft.com/office/powerpoint/2010/main" val="1513343181"/>
       </p:ext>
     </p:extLst>
   </p:cSld>
